--- a/Data Science Projekt Demo/Dokumentation/FHDTM-P2DS-WS2324-Project-Demo-Documentation.pptx
+++ b/Data Science Projekt Demo/Dokumentation/FHDTM-P2DS-WS2324-Project-Demo-Documentation.pptx
@@ -5,11 +5,12 @@
     <p:sldMasterId id="2147483648" r:id="rId1"/>
   </p:sldMasterIdLst>
   <p:notesMasterIdLst>
-    <p:notesMasterId r:id="rId4"/>
+    <p:notesMasterId r:id="rId5"/>
   </p:notesMasterIdLst>
   <p:sldIdLst>
     <p:sldId id="256" r:id="rId2"/>
     <p:sldId id="413" r:id="rId3"/>
+    <p:sldId id="414" r:id="rId4"/>
   </p:sldIdLst>
   <p:sldSz cx="12192000" cy="6858000"/>
   <p:notesSz cx="6858000" cy="9144000"/>
@@ -8720,7 +8721,7 @@
         </p:nvSpPr>
         <p:spPr>
           <a:xfrm>
-            <a:off x="4366088" y="3852321"/>
+            <a:off x="4046118" y="3831684"/>
             <a:ext cx="1667852" cy="400110"/>
           </a:xfrm>
           <a:prstGeom prst="rect">
@@ -8738,7 +8739,7 @@
               <a:rPr lang="de-DE" sz="1000" dirty="0">
                 <a:latin typeface="Twentieth Century"/>
               </a:rPr>
-              <a:t>2.0-Data-Cleaning-Transfermarkt</a:t>
+              <a:t>2.0-Data-Preprocessing-Transfermarkt</a:t>
             </a:r>
           </a:p>
         </p:txBody>
@@ -8895,6 +8896,1040 @@
     <p:extLst>
       <p:ext uri="{BB962C8B-B14F-4D97-AF65-F5344CB8AC3E}">
         <p14:creationId xmlns:p14="http://schemas.microsoft.com/office/powerpoint/2010/main" val="2602481157"/>
+      </p:ext>
+    </p:extLst>
+  </p:cSld>
+  <p:clrMapOvr>
+    <a:masterClrMapping/>
+  </p:clrMapOvr>
+</p:sld>
+</file>
+
+<file path=ppt/slides/slide3.xml><?xml version="1.0" encoding="utf-8"?>
+<p:sld xmlns:a="http://schemas.openxmlformats.org/drawingml/2006/main" xmlns:r="http://schemas.openxmlformats.org/officeDocument/2006/relationships" xmlns:p="http://schemas.openxmlformats.org/presentationml/2006/main">
+  <p:cSld>
+    <p:spTree>
+      <p:nvGrpSpPr>
+        <p:cNvPr id="1" name=""/>
+        <p:cNvGrpSpPr/>
+        <p:nvPr/>
+      </p:nvGrpSpPr>
+      <p:grpSpPr>
+        <a:xfrm>
+          <a:off x="0" y="0"/>
+          <a:ext cx="0" cy="0"/>
+          <a:chOff x="0" y="0"/>
+          <a:chExt cx="0" cy="0"/>
+        </a:xfrm>
+      </p:grpSpPr>
+      <p:sp>
+        <p:nvSpPr>
+          <p:cNvPr id="2" name="Title 1">
+            <a:extLst>
+              <a:ext uri="{FF2B5EF4-FFF2-40B4-BE49-F238E27FC236}">
+                <a16:creationId xmlns:a16="http://schemas.microsoft.com/office/drawing/2014/main" id="{CBD308F4-1F02-E57C-5EED-7DCDD48659DD}"/>
+              </a:ext>
+            </a:extLst>
+          </p:cNvPr>
+          <p:cNvSpPr>
+            <a:spLocks noGrp="1"/>
+          </p:cNvSpPr>
+          <p:nvPr>
+            <p:ph type="title"/>
+          </p:nvPr>
+        </p:nvSpPr>
+        <p:spPr/>
+        <p:txBody>
+          <a:bodyPr/>
+          <a:lstStyle/>
+          <a:p>
+            <a:r>
+              <a:rPr lang="de-DE" dirty="0"/>
+              <a:t>OSEMN: Transfermarkt Analytics</a:t>
+            </a:r>
+          </a:p>
+        </p:txBody>
+      </p:sp>
+      <p:sp>
+        <p:nvSpPr>
+          <p:cNvPr id="4" name="Slide Number Placeholder 3">
+            <a:extLst>
+              <a:ext uri="{FF2B5EF4-FFF2-40B4-BE49-F238E27FC236}">
+                <a16:creationId xmlns:a16="http://schemas.microsoft.com/office/drawing/2014/main" id="{49E8CE49-B1CB-E44C-2C52-0AB5D1626551}"/>
+              </a:ext>
+            </a:extLst>
+          </p:cNvPr>
+          <p:cNvSpPr>
+            <a:spLocks noGrp="1"/>
+          </p:cNvSpPr>
+          <p:nvPr>
+            <p:ph type="sldNum" idx="12"/>
+          </p:nvPr>
+        </p:nvSpPr>
+        <p:spPr/>
+        <p:txBody>
+          <a:bodyPr/>
+          <a:lstStyle/>
+          <a:p>
+            <a:pPr marL="0" lvl="0" indent="0" algn="l" rtl="0">
+              <a:spcBef>
+                <a:spcPts val="0"/>
+              </a:spcBef>
+              <a:spcAft>
+                <a:spcPts val="0"/>
+              </a:spcAft>
+              <a:buNone/>
+            </a:pPr>
+            <a:r>
+              <a:rPr lang="en-US"/>
+              <a:t>Slide </a:t>
+            </a:r>
+            <a:fld id="{00000000-1234-1234-1234-123412341234}" type="slidenum">
+              <a:rPr lang="en-US" smtClean="0"/>
+              <a:t>3</a:t>
+            </a:fld>
+            <a:endParaRPr/>
+          </a:p>
+        </p:txBody>
+      </p:sp>
+      <p:sp>
+        <p:nvSpPr>
+          <p:cNvPr id="3" name="Rectangle 2">
+            <a:extLst>
+              <a:ext uri="{FF2B5EF4-FFF2-40B4-BE49-F238E27FC236}">
+                <a16:creationId xmlns:a16="http://schemas.microsoft.com/office/drawing/2014/main" id="{23DAB5F2-D230-1EC2-B985-0A9AF79089A8}"/>
+              </a:ext>
+            </a:extLst>
+          </p:cNvPr>
+          <p:cNvSpPr/>
+          <p:nvPr/>
+        </p:nvSpPr>
+        <p:spPr>
+          <a:xfrm>
+            <a:off x="510944" y="5580833"/>
+            <a:ext cx="2160000" cy="563278"/>
+          </a:xfrm>
+          <a:prstGeom prst="rect">
+            <a:avLst/>
+          </a:prstGeom>
+          <a:solidFill>
+            <a:schemeClr val="bg1">
+              <a:lumMod val="85000"/>
+            </a:schemeClr>
+          </a:solidFill>
+          <a:ln>
+            <a:noFill/>
+          </a:ln>
+        </p:spPr>
+        <p:style>
+          <a:lnRef idx="2">
+            <a:schemeClr val="accent1">
+              <a:shade val="15000"/>
+            </a:schemeClr>
+          </a:lnRef>
+          <a:fillRef idx="1">
+            <a:schemeClr val="accent1"/>
+          </a:fillRef>
+          <a:effectRef idx="0">
+            <a:schemeClr val="accent1"/>
+          </a:effectRef>
+          <a:fontRef idx="minor">
+            <a:schemeClr val="lt1"/>
+          </a:fontRef>
+        </p:style>
+        <p:txBody>
+          <a:bodyPr rtlCol="0" anchor="ctr"/>
+          <a:lstStyle/>
+          <a:p>
+            <a:pPr algn="ctr"/>
+            <a:r>
+              <a:rPr lang="de-DE" sz="3000" b="1" dirty="0">
+                <a:solidFill>
+                  <a:schemeClr val="tx1"/>
+                </a:solidFill>
+                <a:latin typeface="Twentieth Century"/>
+              </a:rPr>
+              <a:t>O</a:t>
+            </a:r>
+            <a:r>
+              <a:rPr lang="de-DE" sz="3000" dirty="0">
+                <a:solidFill>
+                  <a:schemeClr val="tx1"/>
+                </a:solidFill>
+                <a:latin typeface="Twentieth Century"/>
+              </a:rPr>
+              <a:t>btain</a:t>
+            </a:r>
+          </a:p>
+        </p:txBody>
+      </p:sp>
+      <p:sp>
+        <p:nvSpPr>
+          <p:cNvPr id="6" name="Rectangle 5">
+            <a:extLst>
+              <a:ext uri="{FF2B5EF4-FFF2-40B4-BE49-F238E27FC236}">
+                <a16:creationId xmlns:a16="http://schemas.microsoft.com/office/drawing/2014/main" id="{A94FA8EB-54A4-DB3C-DDF6-D7E65F0A3FDB}"/>
+              </a:ext>
+            </a:extLst>
+          </p:cNvPr>
+          <p:cNvSpPr/>
+          <p:nvPr/>
+        </p:nvSpPr>
+        <p:spPr>
+          <a:xfrm>
+            <a:off x="2790723" y="5580833"/>
+            <a:ext cx="2160000" cy="563278"/>
+          </a:xfrm>
+          <a:prstGeom prst="rect">
+            <a:avLst/>
+          </a:prstGeom>
+          <a:solidFill>
+            <a:schemeClr val="bg1">
+              <a:lumMod val="85000"/>
+            </a:schemeClr>
+          </a:solidFill>
+          <a:ln>
+            <a:noFill/>
+          </a:ln>
+        </p:spPr>
+        <p:style>
+          <a:lnRef idx="2">
+            <a:schemeClr val="accent1">
+              <a:shade val="15000"/>
+            </a:schemeClr>
+          </a:lnRef>
+          <a:fillRef idx="1">
+            <a:schemeClr val="accent1"/>
+          </a:fillRef>
+          <a:effectRef idx="0">
+            <a:schemeClr val="accent1"/>
+          </a:effectRef>
+          <a:fontRef idx="minor">
+            <a:schemeClr val="lt1"/>
+          </a:fontRef>
+        </p:style>
+        <p:txBody>
+          <a:bodyPr rtlCol="0" anchor="ctr"/>
+          <a:lstStyle/>
+          <a:p>
+            <a:pPr algn="ctr"/>
+            <a:r>
+              <a:rPr lang="de-DE" sz="3000" b="1" dirty="0">
+                <a:solidFill>
+                  <a:schemeClr val="tx1"/>
+                </a:solidFill>
+                <a:latin typeface="Twentieth Century"/>
+              </a:rPr>
+              <a:t>S</a:t>
+            </a:r>
+            <a:r>
+              <a:rPr lang="de-DE" sz="3000" dirty="0">
+                <a:solidFill>
+                  <a:schemeClr val="tx1"/>
+                </a:solidFill>
+                <a:latin typeface="Twentieth Century"/>
+              </a:rPr>
+              <a:t>crub</a:t>
+            </a:r>
+          </a:p>
+        </p:txBody>
+      </p:sp>
+      <p:sp>
+        <p:nvSpPr>
+          <p:cNvPr id="12" name="Rectangle 11">
+            <a:extLst>
+              <a:ext uri="{FF2B5EF4-FFF2-40B4-BE49-F238E27FC236}">
+                <a16:creationId xmlns:a16="http://schemas.microsoft.com/office/drawing/2014/main" id="{CCA406AD-519F-3903-5DE6-D2668352255B}"/>
+              </a:ext>
+            </a:extLst>
+          </p:cNvPr>
+          <p:cNvSpPr/>
+          <p:nvPr/>
+        </p:nvSpPr>
+        <p:spPr>
+          <a:xfrm>
+            <a:off x="5070501" y="5580833"/>
+            <a:ext cx="2977113" cy="563278"/>
+          </a:xfrm>
+          <a:prstGeom prst="rect">
+            <a:avLst/>
+          </a:prstGeom>
+          <a:solidFill>
+            <a:schemeClr val="bg1">
+              <a:lumMod val="85000"/>
+            </a:schemeClr>
+          </a:solidFill>
+          <a:ln>
+            <a:noFill/>
+          </a:ln>
+        </p:spPr>
+        <p:style>
+          <a:lnRef idx="2">
+            <a:schemeClr val="accent1">
+              <a:shade val="15000"/>
+            </a:schemeClr>
+          </a:lnRef>
+          <a:fillRef idx="1">
+            <a:schemeClr val="accent1"/>
+          </a:fillRef>
+          <a:effectRef idx="0">
+            <a:schemeClr val="accent1"/>
+          </a:effectRef>
+          <a:fontRef idx="minor">
+            <a:schemeClr val="lt1"/>
+          </a:fontRef>
+        </p:style>
+        <p:txBody>
+          <a:bodyPr rtlCol="0" anchor="ctr"/>
+          <a:lstStyle/>
+          <a:p>
+            <a:pPr algn="ctr"/>
+            <a:r>
+              <a:rPr lang="de-DE" sz="3000" b="1" dirty="0">
+                <a:solidFill>
+                  <a:schemeClr val="tx1"/>
+                </a:solidFill>
+                <a:latin typeface="Twentieth Century"/>
+              </a:rPr>
+              <a:t>E</a:t>
+            </a:r>
+            <a:r>
+              <a:rPr lang="de-DE" sz="3000" dirty="0">
+                <a:solidFill>
+                  <a:schemeClr val="tx1"/>
+                </a:solidFill>
+                <a:latin typeface="Twentieth Century"/>
+              </a:rPr>
+              <a:t>xplore</a:t>
+            </a:r>
+          </a:p>
+        </p:txBody>
+      </p:sp>
+      <p:sp>
+        <p:nvSpPr>
+          <p:cNvPr id="14" name="Rectangle 13">
+            <a:extLst>
+              <a:ext uri="{FF2B5EF4-FFF2-40B4-BE49-F238E27FC236}">
+                <a16:creationId xmlns:a16="http://schemas.microsoft.com/office/drawing/2014/main" id="{D28F4418-827D-6D51-FD08-FF44B13F55D9}"/>
+              </a:ext>
+            </a:extLst>
+          </p:cNvPr>
+          <p:cNvSpPr/>
+          <p:nvPr/>
+        </p:nvSpPr>
+        <p:spPr>
+          <a:xfrm>
+            <a:off x="8142513" y="5580833"/>
+            <a:ext cx="1342885" cy="563278"/>
+          </a:xfrm>
+          <a:prstGeom prst="rect">
+            <a:avLst/>
+          </a:prstGeom>
+          <a:solidFill>
+            <a:schemeClr val="bg1">
+              <a:lumMod val="95000"/>
+            </a:schemeClr>
+          </a:solidFill>
+          <a:ln>
+            <a:noFill/>
+          </a:ln>
+        </p:spPr>
+        <p:style>
+          <a:lnRef idx="2">
+            <a:schemeClr val="accent1">
+              <a:shade val="15000"/>
+            </a:schemeClr>
+          </a:lnRef>
+          <a:fillRef idx="1">
+            <a:schemeClr val="accent1"/>
+          </a:fillRef>
+          <a:effectRef idx="0">
+            <a:schemeClr val="accent1"/>
+          </a:effectRef>
+          <a:fontRef idx="minor">
+            <a:schemeClr val="lt1"/>
+          </a:fontRef>
+        </p:style>
+        <p:txBody>
+          <a:bodyPr rtlCol="0" anchor="ctr"/>
+          <a:lstStyle/>
+          <a:p>
+            <a:pPr algn="ctr"/>
+            <a:r>
+              <a:rPr lang="de-DE" sz="3000" b="1" dirty="0">
+                <a:solidFill>
+                  <a:schemeClr val="bg1">
+                    <a:lumMod val="85000"/>
+                  </a:schemeClr>
+                </a:solidFill>
+                <a:latin typeface="Twentieth Century"/>
+              </a:rPr>
+              <a:t>M</a:t>
+            </a:r>
+            <a:r>
+              <a:rPr lang="de-DE" sz="3000" dirty="0">
+                <a:solidFill>
+                  <a:schemeClr val="bg1">
+                    <a:lumMod val="85000"/>
+                  </a:schemeClr>
+                </a:solidFill>
+                <a:latin typeface="Twentieth Century"/>
+              </a:rPr>
+              <a:t>odel</a:t>
+            </a:r>
+          </a:p>
+        </p:txBody>
+      </p:sp>
+      <p:sp>
+        <p:nvSpPr>
+          <p:cNvPr id="15" name="Rectangle 14">
+            <a:extLst>
+              <a:ext uri="{FF2B5EF4-FFF2-40B4-BE49-F238E27FC236}">
+                <a16:creationId xmlns:a16="http://schemas.microsoft.com/office/drawing/2014/main" id="{1B5075EC-8964-C703-9CBF-AC8734C8945F}"/>
+              </a:ext>
+            </a:extLst>
+          </p:cNvPr>
+          <p:cNvSpPr/>
+          <p:nvPr/>
+        </p:nvSpPr>
+        <p:spPr>
+          <a:xfrm>
+            <a:off x="9580296" y="5580833"/>
+            <a:ext cx="2160000" cy="563278"/>
+          </a:xfrm>
+          <a:prstGeom prst="rect">
+            <a:avLst/>
+          </a:prstGeom>
+          <a:solidFill>
+            <a:schemeClr val="bg1">
+              <a:lumMod val="85000"/>
+            </a:schemeClr>
+          </a:solidFill>
+          <a:ln>
+            <a:noFill/>
+          </a:ln>
+        </p:spPr>
+        <p:style>
+          <a:lnRef idx="2">
+            <a:schemeClr val="accent1">
+              <a:shade val="15000"/>
+            </a:schemeClr>
+          </a:lnRef>
+          <a:fillRef idx="1">
+            <a:schemeClr val="accent1"/>
+          </a:fillRef>
+          <a:effectRef idx="0">
+            <a:schemeClr val="accent1"/>
+          </a:effectRef>
+          <a:fontRef idx="minor">
+            <a:schemeClr val="lt1"/>
+          </a:fontRef>
+        </p:style>
+        <p:txBody>
+          <a:bodyPr rtlCol="0" anchor="ctr"/>
+          <a:lstStyle/>
+          <a:p>
+            <a:pPr algn="ctr"/>
+            <a:r>
+              <a:rPr lang="de-DE" sz="3000" dirty="0">
+                <a:solidFill>
+                  <a:schemeClr val="tx1"/>
+                </a:solidFill>
+                <a:latin typeface="Twentieth Century"/>
+              </a:rPr>
+              <a:t>i</a:t>
+            </a:r>
+            <a:r>
+              <a:rPr lang="de-DE" sz="3000" b="1" dirty="0">
+                <a:solidFill>
+                  <a:schemeClr val="tx1"/>
+                </a:solidFill>
+                <a:latin typeface="Twentieth Century"/>
+              </a:rPr>
+              <a:t>N</a:t>
+            </a:r>
+            <a:r>
+              <a:rPr lang="de-DE" sz="3000" dirty="0">
+                <a:solidFill>
+                  <a:schemeClr val="tx1"/>
+                </a:solidFill>
+                <a:latin typeface="Twentieth Century"/>
+              </a:rPr>
+              <a:t>terpret</a:t>
+            </a:r>
+          </a:p>
+        </p:txBody>
+      </p:sp>
+      <p:sp>
+        <p:nvSpPr>
+          <p:cNvPr id="19" name="TextBox 18">
+            <a:extLst>
+              <a:ext uri="{FF2B5EF4-FFF2-40B4-BE49-F238E27FC236}">
+                <a16:creationId xmlns:a16="http://schemas.microsoft.com/office/drawing/2014/main" id="{DAB808C0-FD81-ECAE-0190-247E69E036AF}"/>
+              </a:ext>
+            </a:extLst>
+          </p:cNvPr>
+          <p:cNvSpPr txBox="1"/>
+          <p:nvPr/>
+        </p:nvSpPr>
+        <p:spPr>
+          <a:xfrm>
+            <a:off x="510944" y="5180723"/>
+            <a:ext cx="2160000" cy="400110"/>
+          </a:xfrm>
+          <a:prstGeom prst="rect">
+            <a:avLst/>
+          </a:prstGeom>
+          <a:noFill/>
+        </p:spPr>
+        <p:txBody>
+          <a:bodyPr wrap="square">
+            <a:spAutoFit/>
+          </a:bodyPr>
+          <a:lstStyle/>
+          <a:p>
+            <a:r>
+              <a:rPr lang="de-DE" sz="1000" dirty="0">
+                <a:latin typeface="Twentieth Century"/>
+              </a:rPr>
+              <a:t>1.0-Data-Acquisition-Transfermarkt_</a:t>
+            </a:r>
+            <a:br>
+              <a:rPr lang="de-DE" sz="1000" dirty="0">
+                <a:latin typeface="Twentieth Century"/>
+              </a:rPr>
+            </a:br>
+            <a:r>
+              <a:rPr lang="de-DE" sz="1000" dirty="0">
+                <a:latin typeface="Twentieth Century"/>
+              </a:rPr>
+              <a:t>WebScraping_BeautifulSoup</a:t>
+            </a:r>
+          </a:p>
+        </p:txBody>
+      </p:sp>
+      <p:pic>
+        <p:nvPicPr>
+          <p:cNvPr id="1030" name="Picture 6" descr="transfermarkt.de – Wikipedia">
+            <a:extLst>
+              <a:ext uri="{FF2B5EF4-FFF2-40B4-BE49-F238E27FC236}">
+                <a16:creationId xmlns:a16="http://schemas.microsoft.com/office/drawing/2014/main" id="{24929ADC-35B8-3394-DFC8-51470E28BC31}"/>
+              </a:ext>
+            </a:extLst>
+          </p:cNvPr>
+          <p:cNvPicPr>
+            <a:picLocks noChangeAspect="1" noChangeArrowheads="1"/>
+          </p:cNvPicPr>
+          <p:nvPr/>
+        </p:nvPicPr>
+        <p:blipFill>
+          <a:blip r:embed="rId2">
+            <a:extLst>
+              <a:ext uri="{28A0092B-C50C-407E-A947-70E740481C1C}">
+                <a14:useLocalDpi xmlns:a14="http://schemas.microsoft.com/office/drawing/2010/main" val="0"/>
+              </a:ext>
+            </a:extLst>
+          </a:blip>
+          <a:srcRect/>
+          <a:stretch>
+            <a:fillRect/>
+          </a:stretch>
+        </p:blipFill>
+        <p:spPr bwMode="auto">
+          <a:xfrm>
+            <a:off x="891220" y="1644244"/>
+            <a:ext cx="1399448" cy="563278"/>
+          </a:xfrm>
+          <a:prstGeom prst="rect">
+            <a:avLst/>
+          </a:prstGeom>
+          <a:noFill/>
+          <a:extLst>
+            <a:ext uri="{909E8E84-426E-40DD-AFC4-6F175D3DCCD1}">
+              <a14:hiddenFill xmlns:a14="http://schemas.microsoft.com/office/drawing/2010/main">
+                <a:solidFill>
+                  <a:srgbClr val="FFFFFF"/>
+                </a:solidFill>
+              </a14:hiddenFill>
+            </a:ext>
+          </a:extLst>
+        </p:spPr>
+      </p:pic>
+      <p:sp>
+        <p:nvSpPr>
+          <p:cNvPr id="21" name="TextBox 20">
+            <a:extLst>
+              <a:ext uri="{FF2B5EF4-FFF2-40B4-BE49-F238E27FC236}">
+                <a16:creationId xmlns:a16="http://schemas.microsoft.com/office/drawing/2014/main" id="{24D7D704-251A-90FF-4E7A-B0522065E1BE}"/>
+              </a:ext>
+            </a:extLst>
+          </p:cNvPr>
+          <p:cNvSpPr txBox="1"/>
+          <p:nvPr/>
+        </p:nvSpPr>
+        <p:spPr>
+          <a:xfrm>
+            <a:off x="451055" y="2259995"/>
+            <a:ext cx="2279778" cy="2893100"/>
+          </a:xfrm>
+          <a:prstGeom prst="rect">
+            <a:avLst/>
+          </a:prstGeom>
+          <a:noFill/>
+        </p:spPr>
+        <p:txBody>
+          <a:bodyPr wrap="square" rtlCol="0">
+            <a:spAutoFit/>
+          </a:bodyPr>
+          <a:lstStyle/>
+          <a:p>
+            <a:r>
+              <a:rPr lang="de-DE" dirty="0">
+                <a:latin typeface="Twentieth Century"/>
+              </a:rPr>
+              <a:t>Sports dataset with 2942 soccer players from the top 100 international clubs:</a:t>
+            </a:r>
+          </a:p>
+          <a:p>
+            <a:pPr marL="285750" indent="-285750">
+              <a:buFont typeface="Arial" panose="020B0604020202020204" pitchFamily="34" charset="0"/>
+              <a:buChar char="•"/>
+            </a:pPr>
+            <a:r>
+              <a:rPr lang="de-DE" dirty="0">
+                <a:latin typeface="Twentieth Century"/>
+              </a:rPr>
+              <a:t>Player (position, age, value, country, dob)</a:t>
+            </a:r>
+          </a:p>
+          <a:p>
+            <a:pPr marL="285750" indent="-285750">
+              <a:buFont typeface="Arial" panose="020B0604020202020204" pitchFamily="34" charset="0"/>
+              <a:buChar char="•"/>
+            </a:pPr>
+            <a:r>
+              <a:rPr lang="de-DE" dirty="0">
+                <a:latin typeface="Twentieth Century"/>
+              </a:rPr>
+              <a:t>Club (league, stadium seats, internationality, transfer balance,...)</a:t>
+            </a:r>
+          </a:p>
+          <a:p>
+            <a:endParaRPr lang="de-DE" dirty="0">
+              <a:latin typeface="Twentieth Century"/>
+            </a:endParaRPr>
+          </a:p>
+          <a:p>
+            <a:r>
+              <a:rPr lang="de-DE" dirty="0">
+                <a:latin typeface="Twentieth Century"/>
+              </a:rPr>
+              <a:t>Tools and libraries</a:t>
+            </a:r>
+          </a:p>
+          <a:p>
+            <a:pPr marL="285750" indent="-285750">
+              <a:buFont typeface="Arial" panose="020B0604020202020204" pitchFamily="34" charset="0"/>
+              <a:buChar char="•"/>
+            </a:pPr>
+            <a:r>
+              <a:rPr lang="de-DE" dirty="0">
+                <a:latin typeface="Twentieth Century"/>
+              </a:rPr>
+              <a:t>Python </a:t>
+            </a:r>
+          </a:p>
+          <a:p>
+            <a:pPr marL="285750" indent="-285750">
+              <a:buFont typeface="Arial" panose="020B0604020202020204" pitchFamily="34" charset="0"/>
+              <a:buChar char="•"/>
+            </a:pPr>
+            <a:r>
+              <a:rPr lang="en-US" dirty="0" err="1">
+                <a:latin typeface="Twentieth Century"/>
+              </a:rPr>
+              <a:t>urllib.request</a:t>
+            </a:r>
+            <a:r>
+              <a:rPr lang="en-US" dirty="0">
+                <a:latin typeface="Twentieth Century"/>
+              </a:rPr>
+              <a:t>  </a:t>
+            </a:r>
+          </a:p>
+          <a:p>
+            <a:pPr marL="285750" indent="-285750">
+              <a:buFont typeface="Arial" panose="020B0604020202020204" pitchFamily="34" charset="0"/>
+              <a:buChar char="•"/>
+            </a:pPr>
+            <a:r>
+              <a:rPr lang="en-US" dirty="0" err="1">
+                <a:latin typeface="Twentieth Century"/>
+              </a:rPr>
+              <a:t>BeautifulSoup</a:t>
+            </a:r>
+            <a:r>
+              <a:rPr lang="de-DE" dirty="0">
+                <a:latin typeface="Twentieth Century"/>
+              </a:rPr>
+              <a:t> </a:t>
+            </a:r>
+          </a:p>
+        </p:txBody>
+      </p:sp>
+      <p:sp>
+        <p:nvSpPr>
+          <p:cNvPr id="22" name="TextBox 21">
+            <a:extLst>
+              <a:ext uri="{FF2B5EF4-FFF2-40B4-BE49-F238E27FC236}">
+                <a16:creationId xmlns:a16="http://schemas.microsoft.com/office/drawing/2014/main" id="{BA3D47BB-BF25-CFF6-9A82-70FFAC76268A}"/>
+              </a:ext>
+            </a:extLst>
+          </p:cNvPr>
+          <p:cNvSpPr txBox="1"/>
+          <p:nvPr/>
+        </p:nvSpPr>
+        <p:spPr>
+          <a:xfrm>
+            <a:off x="2790722" y="2287623"/>
+            <a:ext cx="2279779" cy="2893100"/>
+          </a:xfrm>
+          <a:prstGeom prst="rect">
+            <a:avLst/>
+          </a:prstGeom>
+          <a:noFill/>
+        </p:spPr>
+        <p:txBody>
+          <a:bodyPr wrap="square" rtlCol="0">
+            <a:spAutoFit/>
+          </a:bodyPr>
+          <a:lstStyle/>
+          <a:p>
+            <a:pPr marL="285750" indent="-285750">
+              <a:buFont typeface="Arial" panose="020B0604020202020204" pitchFamily="34" charset="0"/>
+              <a:buChar char="•"/>
+            </a:pPr>
+            <a:r>
+              <a:rPr lang="de-DE" dirty="0">
+                <a:latin typeface="Twentieth Century"/>
+              </a:rPr>
+              <a:t>Data type formatting.</a:t>
+            </a:r>
+          </a:p>
+          <a:p>
+            <a:pPr marL="285750" indent="-285750">
+              <a:buFont typeface="Arial" panose="020B0604020202020204" pitchFamily="34" charset="0"/>
+              <a:buChar char="•"/>
+            </a:pPr>
+            <a:r>
+              <a:rPr lang="de-DE" dirty="0">
+                <a:latin typeface="Twentieth Century"/>
+              </a:rPr>
+              <a:t>Smooth numeric attributes (transfer balance, player value, seats).</a:t>
+            </a:r>
+          </a:p>
+          <a:p>
+            <a:pPr marL="285750" indent="-285750">
+              <a:buFont typeface="Arial" panose="020B0604020202020204" pitchFamily="34" charset="0"/>
+              <a:buChar char="•"/>
+            </a:pPr>
+            <a:r>
+              <a:rPr lang="de-DE" dirty="0">
+                <a:latin typeface="Twentieth Century"/>
+              </a:rPr>
+              <a:t>Smooth date of birth and age of players.</a:t>
+            </a:r>
+          </a:p>
+          <a:p>
+            <a:pPr marL="285750" indent="-285750">
+              <a:buFont typeface="Arial" panose="020B0604020202020204" pitchFamily="34" charset="0"/>
+              <a:buChar char="•"/>
+            </a:pPr>
+            <a:r>
+              <a:rPr lang="de-DE" dirty="0">
+                <a:latin typeface="Twentieth Century"/>
+              </a:rPr>
+              <a:t>Construct attributes club_country, internationality, and player_internationality.</a:t>
+            </a:r>
+          </a:p>
+          <a:p>
+            <a:pPr marL="285750" indent="-285750">
+              <a:buFont typeface="Arial" panose="020B0604020202020204" pitchFamily="34" charset="0"/>
+              <a:buChar char="•"/>
+            </a:pPr>
+            <a:r>
+              <a:rPr lang="de-DE" dirty="0">
+                <a:latin typeface="Twentieth Century"/>
+              </a:rPr>
+              <a:t>Scale player positions in hierarchical order.</a:t>
+            </a:r>
+          </a:p>
+        </p:txBody>
+      </p:sp>
+      <p:sp>
+        <p:nvSpPr>
+          <p:cNvPr id="23" name="TextBox 22">
+            <a:extLst>
+              <a:ext uri="{FF2B5EF4-FFF2-40B4-BE49-F238E27FC236}">
+                <a16:creationId xmlns:a16="http://schemas.microsoft.com/office/drawing/2014/main" id="{12445BA7-A29D-553C-B0B7-F5C2E07F8FD9}"/>
+              </a:ext>
+            </a:extLst>
+          </p:cNvPr>
+          <p:cNvSpPr txBox="1"/>
+          <p:nvPr/>
+        </p:nvSpPr>
+        <p:spPr>
+          <a:xfrm>
+            <a:off x="2828479" y="5298439"/>
+            <a:ext cx="2160000" cy="246221"/>
+          </a:xfrm>
+          <a:prstGeom prst="rect">
+            <a:avLst/>
+          </a:prstGeom>
+          <a:noFill/>
+        </p:spPr>
+        <p:txBody>
+          <a:bodyPr wrap="square">
+            <a:spAutoFit/>
+          </a:bodyPr>
+          <a:lstStyle/>
+          <a:p>
+            <a:r>
+              <a:rPr lang="de-DE" sz="1000" dirty="0">
+                <a:latin typeface="Twentieth Century"/>
+              </a:rPr>
+              <a:t>2.0-Data-Preprocessing-Transfermarkt</a:t>
+            </a:r>
+          </a:p>
+        </p:txBody>
+      </p:sp>
+      <p:sp>
+        <p:nvSpPr>
+          <p:cNvPr id="26" name="TextBox 25">
+            <a:extLst>
+              <a:ext uri="{FF2B5EF4-FFF2-40B4-BE49-F238E27FC236}">
+                <a16:creationId xmlns:a16="http://schemas.microsoft.com/office/drawing/2014/main" id="{C9700457-8E9E-8562-F8F9-BEBEF079A56F}"/>
+              </a:ext>
+            </a:extLst>
+          </p:cNvPr>
+          <p:cNvSpPr txBox="1"/>
+          <p:nvPr/>
+        </p:nvSpPr>
+        <p:spPr>
+          <a:xfrm>
+            <a:off x="5070501" y="1768757"/>
+            <a:ext cx="5004209" cy="3539430"/>
+          </a:xfrm>
+          <a:prstGeom prst="rect">
+            <a:avLst/>
+          </a:prstGeom>
+          <a:noFill/>
+        </p:spPr>
+        <p:txBody>
+          <a:bodyPr wrap="square" rtlCol="0">
+            <a:spAutoFit/>
+          </a:bodyPr>
+          <a:lstStyle/>
+          <a:p>
+            <a:r>
+              <a:rPr lang="de-DE" b="1" dirty="0">
+                <a:latin typeface="Twentieth Century"/>
+              </a:rPr>
+              <a:t>Meta Plots</a:t>
+            </a:r>
+          </a:p>
+          <a:p>
+            <a:pPr marL="285750" indent="-285750">
+              <a:buFont typeface="Arial" panose="020B0604020202020204" pitchFamily="34" charset="0"/>
+              <a:buChar char="•"/>
+            </a:pPr>
+            <a:r>
+              <a:rPr lang="de-DE" dirty="0">
+                <a:latin typeface="Twentieth Century"/>
+              </a:rPr>
+              <a:t>NaN Heatmap</a:t>
+            </a:r>
+          </a:p>
+          <a:p>
+            <a:pPr marL="285750" indent="-285750">
+              <a:buFont typeface="Arial" panose="020B0604020202020204" pitchFamily="34" charset="0"/>
+              <a:buChar char="•"/>
+            </a:pPr>
+            <a:r>
+              <a:rPr lang="de-DE" dirty="0">
+                <a:latin typeface="Twentieth Century"/>
+              </a:rPr>
+              <a:t>Correlation Heatmap with Pearson coefficient</a:t>
+            </a:r>
+          </a:p>
+          <a:p>
+            <a:pPr marL="285750" indent="-285750">
+              <a:buFont typeface="Arial" panose="020B0604020202020204" pitchFamily="34" charset="0"/>
+              <a:buChar char="•"/>
+            </a:pPr>
+            <a:r>
+              <a:rPr lang="de-DE" dirty="0">
+                <a:latin typeface="Twentieth Century"/>
+              </a:rPr>
+              <a:t>Boxplots</a:t>
+            </a:r>
+          </a:p>
+          <a:p>
+            <a:pPr marL="285750" indent="-285750">
+              <a:buFont typeface="Arial" panose="020B0604020202020204" pitchFamily="34" charset="0"/>
+              <a:buChar char="•"/>
+            </a:pPr>
+            <a:r>
+              <a:rPr lang="de-DE" dirty="0">
+                <a:latin typeface="Twentieth Century"/>
+              </a:rPr>
+              <a:t>Scatter matrix</a:t>
+            </a:r>
+          </a:p>
+          <a:p>
+            <a:endParaRPr lang="de-DE" dirty="0">
+              <a:latin typeface="Twentieth Century"/>
+            </a:endParaRPr>
+          </a:p>
+          <a:p>
+            <a:r>
+              <a:rPr lang="de-DE" b="1" dirty="0">
+                <a:latin typeface="Twentieth Century"/>
+              </a:rPr>
+              <a:t>Detailed Plots</a:t>
+            </a:r>
+          </a:p>
+          <a:p>
+            <a:r>
+              <a:rPr lang="de-DE" dirty="0">
+                <a:latin typeface="Twentieth Century"/>
+              </a:rPr>
+              <a:t>Scatter </a:t>
+            </a:r>
+          </a:p>
+          <a:p>
+            <a:pPr marL="285750" lvl="4" indent="-285750">
+              <a:buFont typeface="Arial" panose="020B0604020202020204" pitchFamily="34" charset="0"/>
+              <a:buChar char="•"/>
+            </a:pPr>
+            <a:r>
+              <a:rPr lang="de-DE" dirty="0">
+                <a:latin typeface="Twentieth Century"/>
+              </a:rPr>
+              <a:t>x:#stadium seats, y:transfer balance, hue:club country</a:t>
+            </a:r>
+          </a:p>
+          <a:p>
+            <a:pPr marL="285750" lvl="4" indent="-285750">
+              <a:buFont typeface="Arial" panose="020B0604020202020204" pitchFamily="34" charset="0"/>
+              <a:buChar char="•"/>
+            </a:pPr>
+            <a:r>
+              <a:rPr lang="de-DE" dirty="0">
+                <a:latin typeface="Twentieth Century"/>
+              </a:rPr>
+              <a:t>x:#national players, y:transfer balance</a:t>
+            </a:r>
+          </a:p>
+          <a:p>
+            <a:r>
+              <a:rPr lang="de-DE" dirty="0">
+                <a:latin typeface="Twentieth Century"/>
+              </a:rPr>
+              <a:t>Histograms</a:t>
+            </a:r>
+          </a:p>
+          <a:p>
+            <a:r>
+              <a:rPr lang="de-DE" dirty="0">
+                <a:latin typeface="Twentieth Century"/>
+              </a:rPr>
+              <a:t>Bar </a:t>
+            </a:r>
+          </a:p>
+          <a:p>
+            <a:pPr marL="285750" indent="-285750">
+              <a:buFont typeface="Arial" panose="020B0604020202020204" pitchFamily="34" charset="0"/>
+              <a:buChar char="•"/>
+            </a:pPr>
+            <a:r>
+              <a:rPr lang="de-DE" dirty="0">
+                <a:latin typeface="Twentieth Century"/>
+              </a:rPr>
+              <a:t>x:player country, y:count, hue:player_international stacked</a:t>
+            </a:r>
+          </a:p>
+          <a:p>
+            <a:pPr marL="285750" indent="-285750">
+              <a:buFont typeface="Arial" panose="020B0604020202020204" pitchFamily="34" charset="0"/>
+              <a:buChar char="•"/>
+            </a:pPr>
+            <a:r>
+              <a:rPr lang="de-DE" dirty="0">
+                <a:latin typeface="Twentieth Century"/>
+              </a:rPr>
+              <a:t>x:club transfer balance, y:country (sum and mean)</a:t>
+            </a:r>
+          </a:p>
+          <a:p>
+            <a:r>
+              <a:rPr lang="de-DE" dirty="0">
+                <a:latin typeface="Twentieth Century"/>
+              </a:rPr>
+              <a:t>Sunburst-Pie club country and club name over stadium seats</a:t>
+            </a:r>
+          </a:p>
+          <a:p>
+            <a:r>
+              <a:rPr lang="de-DE" dirty="0">
+                <a:latin typeface="Twentieth Century"/>
+              </a:rPr>
+              <a:t>Parallel-set club country, player international, and player position</a:t>
+            </a:r>
+          </a:p>
+        </p:txBody>
+      </p:sp>
+      <p:sp>
+        <p:nvSpPr>
+          <p:cNvPr id="7" name="TextBox 6">
+            <a:extLst>
+              <a:ext uri="{FF2B5EF4-FFF2-40B4-BE49-F238E27FC236}">
+                <a16:creationId xmlns:a16="http://schemas.microsoft.com/office/drawing/2014/main" id="{82E684DC-BF74-B6B1-59DE-F3240D42D610}"/>
+              </a:ext>
+            </a:extLst>
+          </p:cNvPr>
+          <p:cNvSpPr txBox="1"/>
+          <p:nvPr/>
+        </p:nvSpPr>
+        <p:spPr>
+          <a:xfrm>
+            <a:off x="5756769" y="5290745"/>
+            <a:ext cx="3281917" cy="261610"/>
+          </a:xfrm>
+          <a:prstGeom prst="rect">
+            <a:avLst/>
+          </a:prstGeom>
+          <a:noFill/>
+        </p:spPr>
+        <p:txBody>
+          <a:bodyPr wrap="square">
+            <a:spAutoFit/>
+          </a:bodyPr>
+          <a:lstStyle/>
+          <a:p>
+            <a:r>
+              <a:rPr lang="de-DE" sz="1100" dirty="0">
+                <a:latin typeface="Twentieth Century"/>
+              </a:rPr>
+              <a:t>3.0-Data-Transformation-Visualization-Transfermarkt</a:t>
+            </a:r>
+          </a:p>
+        </p:txBody>
+      </p:sp>
+    </p:spTree>
+    <p:extLst>
+      <p:ext uri="{BB962C8B-B14F-4D97-AF65-F5344CB8AC3E}">
+        <p14:creationId xmlns:p14="http://schemas.microsoft.com/office/powerpoint/2010/main" val="1503666041"/>
       </p:ext>
     </p:extLst>
   </p:cSld>

--- a/Data Science Projekt Demo/Dokumentation/FHDTM-P2DS-WS2324-Project-Demo-Documentation.pptx
+++ b/Data Science Projekt Demo/Dokumentation/FHDTM-P2DS-WS2324-Project-Demo-Documentation.pptx
@@ -248,7 +248,7 @@
       <p15:sldGuideLst xmlns:p15="http://schemas.microsoft.com/office/powerpoint/2012/main"/>
     </p:ext>
     <p:ext uri="http://customooxmlschemas.google.com/">
-      <go:slidesCustomData xmlns:go="http://customooxmlschemas.google.com/" xmlns:ahyp="http://schemas.microsoft.com/office/drawing/2018/hyperlinkcolor" xmlns:p15="http://schemas.microsoft.com/office/powerpoint/2012/main" xmlns:p14="http://schemas.microsoft.com/office/powerpoint/2010/main" xmlns:com="http://schemas.openxmlformats.org/drawingml/2006/compatibility" xmlns:pvml="urn:schemas-microsoft-com:office:powerpoint" xmlns:v="urn:schemas-microsoft-com:vml" xmlns:o="urn:schemas-microsoft-com:office:office" xmlns:dgm="http://schemas.openxmlformats.org/drawingml/2006/diagram" xmlns:c="http://schemas.openxmlformats.org/drawingml/2006/chart" xmlns:mv="urn:schemas-microsoft-com:mac:vml" xmlns:mc="http://schemas.openxmlformats.org/markup-compatibility/2006" xmlns="" r:id="rId43" roundtripDataSignature="AMtx7mg/qR1gyGjsXcOgmhJSveCa0ooauw=="/>
+      <go:slidesCustomData xmlns="" xmlns:mc="http://schemas.openxmlformats.org/markup-compatibility/2006" xmlns:mv="urn:schemas-microsoft-com:mac:vml" xmlns:c="http://schemas.openxmlformats.org/drawingml/2006/chart" xmlns:dgm="http://schemas.openxmlformats.org/drawingml/2006/diagram" xmlns:o="urn:schemas-microsoft-com:office:office" xmlns:v="urn:schemas-microsoft-com:vml" xmlns:pvml="urn:schemas-microsoft-com:office:powerpoint" xmlns:com="http://schemas.openxmlformats.org/drawingml/2006/compatibility" xmlns:p14="http://schemas.microsoft.com/office/powerpoint/2010/main" xmlns:p15="http://schemas.microsoft.com/office/powerpoint/2012/main" xmlns:ahyp="http://schemas.microsoft.com/office/drawing/2018/hyperlinkcolor" xmlns:go="http://customooxmlschemas.google.com/" r:id="rId43" roundtripDataSignature="AMtx7mg/qR1gyGjsXcOgmhJSveCa0ooauw=="/>
     </p:ext>
   </p:extLst>
 </p:presentation>
@@ -9521,7 +9521,7 @@
           </a:p>
           <a:p>
             <a:r>
-              <a:rPr lang="de-DE" dirty="0">
+              <a:rPr lang="de-DE" b="1" dirty="0">
                 <a:latin typeface="Twentieth Century"/>
               </a:rPr>
               <a:t>Tools and libraries</a:t>
@@ -9536,7 +9536,7 @@
               <a:rPr lang="de-DE" dirty="0">
                 <a:latin typeface="Twentieth Century"/>
               </a:rPr>
-              <a:t>Python </a:t>
+              <a:t>GColab, Jupyter, Python </a:t>
             </a:r>
           </a:p>
           <a:p>
@@ -9591,7 +9591,7 @@
         </p:nvSpPr>
         <p:spPr>
           <a:xfrm>
-            <a:off x="2790722" y="2287623"/>
+            <a:off x="2724268" y="1733045"/>
             <a:ext cx="2279779" cy="2893100"/>
           </a:xfrm>
           <a:prstGeom prst="rect">
@@ -9613,7 +9613,7 @@
               <a:rPr lang="de-DE" dirty="0">
                 <a:latin typeface="Twentieth Century"/>
               </a:rPr>
-              <a:t>Data type formatting.</a:t>
+              <a:t>Data type formatting</a:t>
             </a:r>
           </a:p>
           <a:p>
@@ -9625,7 +9625,7 @@
               <a:rPr lang="de-DE" dirty="0">
                 <a:latin typeface="Twentieth Century"/>
               </a:rPr>
-              <a:t>Smooth numeric attributes (transfer balance, player value, seats).</a:t>
+              <a:t>Smooth numeric attributes (transfer balance, player value, seats)</a:t>
             </a:r>
           </a:p>
           <a:p>
@@ -9637,7 +9637,7 @@
               <a:rPr lang="de-DE" dirty="0">
                 <a:latin typeface="Twentieth Century"/>
               </a:rPr>
-              <a:t>Smooth date of birth and age of players.</a:t>
+              <a:t>Smooth date of birth and age of players</a:t>
             </a:r>
           </a:p>
           <a:p>
@@ -9649,7 +9649,7 @@
               <a:rPr lang="de-DE" dirty="0">
                 <a:latin typeface="Twentieth Century"/>
               </a:rPr>
-              <a:t>Construct attributes club_country, internationality, and player_internationality.</a:t>
+              <a:t>Construct attributes club_country, internationality, and player_internationality</a:t>
             </a:r>
           </a:p>
           <a:p>
@@ -9661,7 +9661,7 @@
               <a:rPr lang="de-DE" dirty="0">
                 <a:latin typeface="Twentieth Century"/>
               </a:rPr>
-              <a:t>Scale player positions in hierarchical order.</a:t>
+              <a:t>Scale player positions in hierarchical order</a:t>
             </a:r>
           </a:p>
         </p:txBody>
@@ -9717,8 +9717,8 @@
         </p:nvSpPr>
         <p:spPr>
           <a:xfrm>
-            <a:off x="5070501" y="1768757"/>
-            <a:ext cx="5004209" cy="3539430"/>
+            <a:off x="5070501" y="1584797"/>
+            <a:ext cx="5004209" cy="3108543"/>
           </a:xfrm>
           <a:prstGeom prst="rect">
             <a:avLst/>
@@ -9787,11 +9787,6 @@
             </a:r>
           </a:p>
           <a:p>
-            <a:endParaRPr lang="de-DE" dirty="0">
-              <a:latin typeface="Twentieth Century"/>
-            </a:endParaRPr>
-          </a:p>
-          <a:p>
             <a:r>
               <a:rPr lang="de-DE" b="1" dirty="0">
                 <a:latin typeface="Twentieth Century"/>
@@ -9800,6 +9795,7 @@
             </a:r>
           </a:p>
           <a:p>
+            <a:pPr lvl="3"/>
             <a:r>
               <a:rPr lang="de-DE" dirty="0">
                 <a:latin typeface="Twentieth Century"/>
@@ -9808,7 +9804,7 @@
             </a:r>
           </a:p>
           <a:p>
-            <a:pPr marL="285750" lvl="4" indent="-285750">
+            <a:pPr marL="285750" lvl="7" indent="-285750">
               <a:buFont typeface="Arial" panose="020B0604020202020204" pitchFamily="34" charset="0"/>
               <a:buChar char="•"/>
             </a:pPr>
@@ -9820,7 +9816,7 @@
             </a:r>
           </a:p>
           <a:p>
-            <a:pPr marL="285750" lvl="4" indent="-285750">
+            <a:pPr marL="285750" lvl="7" indent="-285750">
               <a:buFont typeface="Arial" panose="020B0604020202020204" pitchFamily="34" charset="0"/>
               <a:buChar char="•"/>
             </a:pPr>
@@ -9832,23 +9828,16 @@
             </a:r>
           </a:p>
           <a:p>
+            <a:pPr lvl="3"/>
             <a:r>
               <a:rPr lang="de-DE" dirty="0">
                 <a:latin typeface="Twentieth Century"/>
               </a:rPr>
-              <a:t>Histograms</a:t>
+              <a:t>Histograms and Bar:</a:t>
             </a:r>
           </a:p>
           <a:p>
-            <a:r>
-              <a:rPr lang="de-DE" dirty="0">
-                <a:latin typeface="Twentieth Century"/>
-              </a:rPr>
-              <a:t>Bar </a:t>
-            </a:r>
-          </a:p>
-          <a:p>
-            <a:pPr marL="285750" indent="-285750">
+            <a:pPr marL="285750" lvl="3" indent="-285750">
               <a:buFont typeface="Arial" panose="020B0604020202020204" pitchFamily="34" charset="0"/>
               <a:buChar char="•"/>
             </a:pPr>
@@ -9860,7 +9849,7 @@
             </a:r>
           </a:p>
           <a:p>
-            <a:pPr marL="285750" indent="-285750">
+            <a:pPr marL="285750" lvl="3" indent="-285750">
               <a:buFont typeface="Arial" panose="020B0604020202020204" pitchFamily="34" charset="0"/>
               <a:buChar char="•"/>
             </a:pPr>
@@ -9872,19 +9861,21 @@
             </a:r>
           </a:p>
           <a:p>
+            <a:pPr lvl="3"/>
             <a:r>
               <a:rPr lang="de-DE" dirty="0">
                 <a:latin typeface="Twentieth Century"/>
               </a:rPr>
-              <a:t>Sunburst-Pie club country and club name over stadium seats</a:t>
+              <a:t>Sunburst-Pie: club country and club name over stadium seats</a:t>
             </a:r>
           </a:p>
           <a:p>
+            <a:pPr lvl="3"/>
             <a:r>
               <a:rPr lang="de-DE" dirty="0">
                 <a:latin typeface="Twentieth Century"/>
               </a:rPr>
-              <a:t>Parallel-set club country, player international, and player position</a:t>
+              <a:t>Parallel-set: club country, player international, and player position</a:t>
             </a:r>
           </a:p>
         </p:txBody>
@@ -9922,6 +9913,104 @@
                 <a:latin typeface="Twentieth Century"/>
               </a:rPr>
               <a:t>3.0-Data-Transformation-Visualization-Transfermarkt</a:t>
+            </a:r>
+          </a:p>
+        </p:txBody>
+      </p:sp>
+      <p:sp>
+        <p:nvSpPr>
+          <p:cNvPr id="5" name="TextBox 4">
+            <a:extLst>
+              <a:ext uri="{FF2B5EF4-FFF2-40B4-BE49-F238E27FC236}">
+                <a16:creationId xmlns:a16="http://schemas.microsoft.com/office/drawing/2014/main" id="{0868FA03-4CB1-B02F-2554-C5CDB7DF7524}"/>
+              </a:ext>
+            </a:extLst>
+          </p:cNvPr>
+          <p:cNvSpPr txBox="1"/>
+          <p:nvPr/>
+        </p:nvSpPr>
+        <p:spPr>
+          <a:xfrm>
+            <a:off x="2850611" y="4721818"/>
+            <a:ext cx="2279779" cy="523220"/>
+          </a:xfrm>
+          <a:prstGeom prst="rect">
+            <a:avLst/>
+          </a:prstGeom>
+          <a:noFill/>
+        </p:spPr>
+        <p:txBody>
+          <a:bodyPr wrap="square" rtlCol="0">
+            <a:spAutoFit/>
+          </a:bodyPr>
+          <a:lstStyle/>
+          <a:p>
+            <a:r>
+              <a:rPr lang="de-DE" b="1" dirty="0">
+                <a:latin typeface="Twentieth Century"/>
+              </a:rPr>
+              <a:t>Tools and libraries</a:t>
+            </a:r>
+          </a:p>
+          <a:p>
+            <a:pPr marL="285750" indent="-285750">
+              <a:buFont typeface="Arial" panose="020B0604020202020204" pitchFamily="34" charset="0"/>
+              <a:buChar char="•"/>
+            </a:pPr>
+            <a:r>
+              <a:rPr lang="de-DE" dirty="0">
+                <a:latin typeface="Twentieth Century"/>
+              </a:rPr>
+              <a:t>NumPy, Pandas</a:t>
+            </a:r>
+          </a:p>
+        </p:txBody>
+      </p:sp>
+      <p:sp>
+        <p:nvSpPr>
+          <p:cNvPr id="8" name="TextBox 7">
+            <a:extLst>
+              <a:ext uri="{FF2B5EF4-FFF2-40B4-BE49-F238E27FC236}">
+                <a16:creationId xmlns:a16="http://schemas.microsoft.com/office/drawing/2014/main" id="{39AC1F26-6280-CE80-3B18-885DB17B5792}"/>
+              </a:ext>
+            </a:extLst>
+          </p:cNvPr>
+          <p:cNvSpPr txBox="1"/>
+          <p:nvPr/>
+        </p:nvSpPr>
+        <p:spPr>
+          <a:xfrm>
+            <a:off x="5070501" y="4726820"/>
+            <a:ext cx="2765440" cy="523220"/>
+          </a:xfrm>
+          <a:prstGeom prst="rect">
+            <a:avLst/>
+          </a:prstGeom>
+          <a:noFill/>
+        </p:spPr>
+        <p:txBody>
+          <a:bodyPr wrap="square" rtlCol="0">
+            <a:spAutoFit/>
+          </a:bodyPr>
+          <a:lstStyle/>
+          <a:p>
+            <a:r>
+              <a:rPr lang="de-DE" b="1" dirty="0">
+                <a:latin typeface="Twentieth Century"/>
+              </a:rPr>
+              <a:t>Tools and libraries</a:t>
+            </a:r>
+          </a:p>
+          <a:p>
+            <a:pPr marL="285750" indent="-285750">
+              <a:buFont typeface="Arial" panose="020B0604020202020204" pitchFamily="34" charset="0"/>
+              <a:buChar char="•"/>
+            </a:pPr>
+            <a:r>
+              <a:rPr lang="de-DE" dirty="0">
+                <a:latin typeface="Twentieth Century"/>
+              </a:rPr>
+              <a:t>Matplotlib, seaborn, plotly</a:t>
             </a:r>
           </a:p>
         </p:txBody>
